--- a/IPL data.pptx
+++ b/IPL data.pptx
@@ -2183,7 +2183,7 @@
           </a:ln>
           <a:extLst>
             <a:ext uri="{C572A759-6A51-4108-AA02-DFA0A04FC94B}">
-              <ma14:wrappingTextBoxFlag xmlns="" xmlns:ma14="http://schemas.microsoft.com/office/mac/drawingml/2011/main" val="1"/>
+              <ma14:wrappingTextBoxFlag xmlns:ma14="http://schemas.microsoft.com/office/mac/drawingml/2011/main" xmlns="" val="1"/>
             </a:ext>
           </a:extLst>
         </p:spPr>
@@ -2222,7 +2222,7 @@
           </a:ln>
           <a:extLst>
             <a:ext uri="{C572A759-6A51-4108-AA02-DFA0A04FC94B}">
-              <ma14:wrappingTextBoxFlag xmlns="" xmlns:ma14="http://schemas.microsoft.com/office/mac/drawingml/2011/main" val="1"/>
+              <ma14:wrappingTextBoxFlag xmlns:ma14="http://schemas.microsoft.com/office/mac/drawingml/2011/main" xmlns="" val="1"/>
             </a:ext>
           </a:extLst>
         </p:spPr>
@@ -3341,7 +3341,7 @@
           </a:ln>
           <a:extLst>
             <a:ext uri="{C572A759-6A51-4108-AA02-DFA0A04FC94B}">
-              <ma14:wrappingTextBoxFlag xmlns="" xmlns:ma14="http://schemas.microsoft.com/office/mac/drawingml/2011/main" val="1"/>
+              <ma14:wrappingTextBoxFlag xmlns:ma14="http://schemas.microsoft.com/office/mac/drawingml/2011/main" xmlns="" val="1"/>
             </a:ext>
           </a:extLst>
         </p:spPr>
@@ -3561,8 +3561,8 @@
               <a:t> </a:t>
             </a:r>
             <a:r>
-              <a:rPr lang="en-IN" dirty="0" err="1"/>
-              <a:t>indians</a:t>
+              <a:rPr lang="en-IN" dirty="0" smtClean="0"/>
+              <a:t>Indians</a:t>
             </a:r>
             <a:endParaRPr lang="en-IN" dirty="0"/>
           </a:p>
@@ -3578,12 +3578,12 @@
               <a:t>3.For </a:t>
             </a:r>
             <a:r>
-              <a:rPr lang="en-IN" dirty="0" err="1"/>
-              <a:t>chennai</a:t>
+              <a:rPr lang="en-IN" dirty="0" smtClean="0"/>
+              <a:t>Chennai </a:t>
             </a:r>
             <a:r>
               <a:rPr lang="en-IN" dirty="0"/>
-              <a:t> super kings winning the toss has a clear advantage</a:t>
+              <a:t>super kings winning the toss has a clear advantage</a:t>
             </a:r>
           </a:p>
           <a:p>
@@ -3592,12 +3592,12 @@
               <a:t>4.There is a home filed </a:t>
             </a:r>
             <a:r>
-              <a:rPr lang="en-IN" dirty="0" err="1"/>
-              <a:t>advanatge</a:t>
+              <a:rPr lang="en-IN" dirty="0" smtClean="0"/>
+              <a:t>advantage </a:t>
             </a:r>
             <a:r>
               <a:rPr lang="en-IN" dirty="0"/>
-              <a:t> for the team</a:t>
+              <a:t>for the team</a:t>
             </a:r>
           </a:p>
           <a:p>
@@ -3688,20 +3688,20 @@
               <a:t>Mumbai </a:t>
             </a:r>
             <a:r>
-              <a:rPr lang="en-IN" dirty="0" err="1"/>
-              <a:t>indians</a:t>
+              <a:rPr lang="en-IN" dirty="0" smtClean="0"/>
+              <a:t>Indians </a:t>
+            </a:r>
+            <a:r>
+              <a:rPr lang="en-IN"/>
+              <a:t>and </a:t>
+            </a:r>
+            <a:r>
+              <a:rPr lang="en-IN" smtClean="0"/>
+              <a:t>Chennai </a:t>
             </a:r>
             <a:r>
               <a:rPr lang="en-IN" dirty="0"/>
-              <a:t> and </a:t>
-            </a:r>
-            <a:r>
-              <a:rPr lang="en-IN" dirty="0" err="1"/>
-              <a:t>chennai</a:t>
-            </a:r>
-            <a:r>
-              <a:rPr lang="en-IN" dirty="0"/>
-              <a:t> super kings has high chances of winning the next season</a:t>
+              <a:t>super kings has high chances of winning the next season</a:t>
             </a:r>
           </a:p>
           <a:p>
@@ -4416,7 +4416,7 @@
           </a:ln>
           <a:extLst>
             <a:ext uri="{C572A759-6A51-4108-AA02-DFA0A04FC94B}">
-              <ma14:wrappingTextBoxFlag xmlns="" xmlns:ma14="http://schemas.microsoft.com/office/mac/drawingml/2011/main" val="1"/>
+              <ma14:wrappingTextBoxFlag xmlns:ma14="http://schemas.microsoft.com/office/mac/drawingml/2011/main" xmlns="" val="1"/>
             </a:ext>
           </a:extLst>
         </p:spPr>
@@ -4601,7 +4601,7 @@
           </a:ln>
           <a:extLst>
             <a:ext uri="{C572A759-6A51-4108-AA02-DFA0A04FC94B}">
-              <ma14:wrappingTextBoxFlag xmlns="" xmlns:ma14="http://schemas.microsoft.com/office/mac/drawingml/2011/main" val="1"/>
+              <ma14:wrappingTextBoxFlag xmlns:ma14="http://schemas.microsoft.com/office/mac/drawingml/2011/main" xmlns="" val="1"/>
             </a:ext>
           </a:extLst>
         </p:spPr>
@@ -4791,7 +4791,7 @@
           </a:ln>
           <a:extLst>
             <a:ext uri="{C572A759-6A51-4108-AA02-DFA0A04FC94B}">
-              <ma14:wrappingTextBoxFlag xmlns="" xmlns:ma14="http://schemas.microsoft.com/office/mac/drawingml/2011/main" val="1"/>
+              <ma14:wrappingTextBoxFlag xmlns:ma14="http://schemas.microsoft.com/office/mac/drawingml/2011/main" xmlns="" val="1"/>
             </a:ext>
           </a:extLst>
         </p:spPr>
@@ -4981,7 +4981,7 @@
           </a:ln>
           <a:extLst>
             <a:ext uri="{C572A759-6A51-4108-AA02-DFA0A04FC94B}">
-              <ma14:wrappingTextBoxFlag xmlns="" xmlns:ma14="http://schemas.microsoft.com/office/mac/drawingml/2011/main" val="1"/>
+              <ma14:wrappingTextBoxFlag xmlns:ma14="http://schemas.microsoft.com/office/mac/drawingml/2011/main" xmlns="" val="1"/>
             </a:ext>
           </a:extLst>
         </p:spPr>
@@ -5169,7 +5169,7 @@
           </a:ln>
           <a:extLst>
             <a:ext uri="{C572A759-6A51-4108-AA02-DFA0A04FC94B}">
-              <ma14:wrappingTextBoxFlag xmlns="" xmlns:ma14="http://schemas.microsoft.com/office/mac/drawingml/2011/main" val="1"/>
+              <ma14:wrappingTextBoxFlag xmlns:ma14="http://schemas.microsoft.com/office/mac/drawingml/2011/main" xmlns="" val="1"/>
             </a:ext>
           </a:extLst>
         </p:spPr>
